--- a/pngs/灵感.pptx
+++ b/pngs/灵感.pptx
@@ -260,7 +260,7 @@
           <a:p>
             <a:fld id="{0C3221FB-D3A4-437A-BB7E-5298FBE18190}" type="datetimeFigureOut">
               <a:rPr lang="zh-CN" altLang="en-US" smtClean="0"/>
-              <a:t>2020/5/5</a:t>
+              <a:t>2020/5/7</a:t>
             </a:fld>
             <a:endParaRPr lang="zh-CN" altLang="en-US"/>
           </a:p>
@@ -458,7 +458,7 @@
           <a:p>
             <a:fld id="{0C3221FB-D3A4-437A-BB7E-5298FBE18190}" type="datetimeFigureOut">
               <a:rPr lang="zh-CN" altLang="en-US" smtClean="0"/>
-              <a:t>2020/5/5</a:t>
+              <a:t>2020/5/7</a:t>
             </a:fld>
             <a:endParaRPr lang="zh-CN" altLang="en-US"/>
           </a:p>
@@ -666,7 +666,7 @@
           <a:p>
             <a:fld id="{0C3221FB-D3A4-437A-BB7E-5298FBE18190}" type="datetimeFigureOut">
               <a:rPr lang="zh-CN" altLang="en-US" smtClean="0"/>
-              <a:t>2020/5/5</a:t>
+              <a:t>2020/5/7</a:t>
             </a:fld>
             <a:endParaRPr lang="zh-CN" altLang="en-US"/>
           </a:p>
@@ -864,7 +864,7 @@
           <a:p>
             <a:fld id="{0C3221FB-D3A4-437A-BB7E-5298FBE18190}" type="datetimeFigureOut">
               <a:rPr lang="zh-CN" altLang="en-US" smtClean="0"/>
-              <a:t>2020/5/5</a:t>
+              <a:t>2020/5/7</a:t>
             </a:fld>
             <a:endParaRPr lang="zh-CN" altLang="en-US"/>
           </a:p>
@@ -1139,7 +1139,7 @@
           <a:p>
             <a:fld id="{0C3221FB-D3A4-437A-BB7E-5298FBE18190}" type="datetimeFigureOut">
               <a:rPr lang="zh-CN" altLang="en-US" smtClean="0"/>
-              <a:t>2020/5/5</a:t>
+              <a:t>2020/5/7</a:t>
             </a:fld>
             <a:endParaRPr lang="zh-CN" altLang="en-US"/>
           </a:p>
@@ -1404,7 +1404,7 @@
           <a:p>
             <a:fld id="{0C3221FB-D3A4-437A-BB7E-5298FBE18190}" type="datetimeFigureOut">
               <a:rPr lang="zh-CN" altLang="en-US" smtClean="0"/>
-              <a:t>2020/5/5</a:t>
+              <a:t>2020/5/7</a:t>
             </a:fld>
             <a:endParaRPr lang="zh-CN" altLang="en-US"/>
           </a:p>
@@ -1816,7 +1816,7 @@
           <a:p>
             <a:fld id="{0C3221FB-D3A4-437A-BB7E-5298FBE18190}" type="datetimeFigureOut">
               <a:rPr lang="zh-CN" altLang="en-US" smtClean="0"/>
-              <a:t>2020/5/5</a:t>
+              <a:t>2020/5/7</a:t>
             </a:fld>
             <a:endParaRPr lang="zh-CN" altLang="en-US"/>
           </a:p>
@@ -1957,7 +1957,7 @@
           <a:p>
             <a:fld id="{0C3221FB-D3A4-437A-BB7E-5298FBE18190}" type="datetimeFigureOut">
               <a:rPr lang="zh-CN" altLang="en-US" smtClean="0"/>
-              <a:t>2020/5/5</a:t>
+              <a:t>2020/5/7</a:t>
             </a:fld>
             <a:endParaRPr lang="zh-CN" altLang="en-US"/>
           </a:p>
@@ -2070,7 +2070,7 @@
           <a:p>
             <a:fld id="{0C3221FB-D3A4-437A-BB7E-5298FBE18190}" type="datetimeFigureOut">
               <a:rPr lang="zh-CN" altLang="en-US" smtClean="0"/>
-              <a:t>2020/5/5</a:t>
+              <a:t>2020/5/7</a:t>
             </a:fld>
             <a:endParaRPr lang="zh-CN" altLang="en-US"/>
           </a:p>
@@ -2381,7 +2381,7 @@
           <a:p>
             <a:fld id="{0C3221FB-D3A4-437A-BB7E-5298FBE18190}" type="datetimeFigureOut">
               <a:rPr lang="zh-CN" altLang="en-US" smtClean="0"/>
-              <a:t>2020/5/5</a:t>
+              <a:t>2020/5/7</a:t>
             </a:fld>
             <a:endParaRPr lang="zh-CN" altLang="en-US"/>
           </a:p>
@@ -2669,7 +2669,7 @@
           <a:p>
             <a:fld id="{0C3221FB-D3A4-437A-BB7E-5298FBE18190}" type="datetimeFigureOut">
               <a:rPr lang="zh-CN" altLang="en-US" smtClean="0"/>
-              <a:t>2020/5/5</a:t>
+              <a:t>2020/5/7</a:t>
             </a:fld>
             <a:endParaRPr lang="zh-CN" altLang="en-US"/>
           </a:p>
@@ -2910,7 +2910,7 @@
           <a:p>
             <a:fld id="{0C3221FB-D3A4-437A-BB7E-5298FBE18190}" type="datetimeFigureOut">
               <a:rPr lang="zh-CN" altLang="en-US" smtClean="0"/>
-              <a:t>2020/5/5</a:t>
+              <a:t>2020/5/7</a:t>
             </a:fld>
             <a:endParaRPr lang="zh-CN" altLang="en-US"/>
           </a:p>
@@ -3981,6 +3981,643 @@
           </a:p>
         </p:txBody>
       </p:sp>
+      <p:grpSp>
+        <p:nvGrpSpPr>
+          <p:cNvPr id="24" name="组合 23">
+            <a:extLst>
+              <a:ext uri="{FF2B5EF4-FFF2-40B4-BE49-F238E27FC236}">
+                <a16:creationId xmlns:a16="http://schemas.microsoft.com/office/drawing/2014/main" id="{5F5F47FB-3F1C-4EE9-AD30-3C7CB2928729}"/>
+              </a:ext>
+            </a:extLst>
+          </p:cNvPr>
+          <p:cNvGrpSpPr/>
+          <p:nvPr/>
+        </p:nvGrpSpPr>
+        <p:grpSpPr>
+          <a:xfrm>
+            <a:off x="1061043" y="2227988"/>
+            <a:ext cx="270000" cy="270000"/>
+            <a:chOff x="1061044" y="2227989"/>
+            <a:chExt cx="345001" cy="345001"/>
+          </a:xfrm>
+        </p:grpSpPr>
+        <p:sp>
+          <p:nvSpPr>
+            <p:cNvPr id="16" name="任意多边形: 形状 15">
+              <a:extLst>
+                <a:ext uri="{FF2B5EF4-FFF2-40B4-BE49-F238E27FC236}">
+                  <a16:creationId xmlns:a16="http://schemas.microsoft.com/office/drawing/2014/main" id="{81BB881C-DE68-4F56-8978-A216F4A7BBCC}"/>
+                </a:ext>
+              </a:extLst>
+            </p:cNvPr>
+            <p:cNvSpPr/>
+            <p:nvPr/>
+          </p:nvSpPr>
+          <p:spPr>
+            <a:xfrm>
+              <a:off x="1061044" y="2227989"/>
+              <a:ext cx="345001" cy="345001"/>
+            </a:xfrm>
+            <a:custGeom>
+              <a:avLst/>
+              <a:gdLst>
+                <a:gd name="connsiteX0" fmla="*/ 0 w 345001"/>
+                <a:gd name="connsiteY0" fmla="*/ 172500 h 345001"/>
+                <a:gd name="connsiteX1" fmla="*/ 172500 w 345001"/>
+                <a:gd name="connsiteY1" fmla="*/ 345001 h 345001"/>
+                <a:gd name="connsiteX2" fmla="*/ 345001 w 345001"/>
+                <a:gd name="connsiteY2" fmla="*/ 172500 h 345001"/>
+                <a:gd name="connsiteX3" fmla="*/ 172500 w 345001"/>
+                <a:gd name="connsiteY3" fmla="*/ 0 h 345001"/>
+                <a:gd name="connsiteX4" fmla="*/ 0 w 345001"/>
+                <a:gd name="connsiteY4" fmla="*/ 172500 h 345001"/>
+              </a:gdLst>
+              <a:ahLst/>
+              <a:cxnLst>
+                <a:cxn ang="0">
+                  <a:pos x="connsiteX0" y="connsiteY0"/>
+                </a:cxn>
+                <a:cxn ang="0">
+                  <a:pos x="connsiteX1" y="connsiteY1"/>
+                </a:cxn>
+                <a:cxn ang="0">
+                  <a:pos x="connsiteX2" y="connsiteY2"/>
+                </a:cxn>
+                <a:cxn ang="0">
+                  <a:pos x="connsiteX3" y="connsiteY3"/>
+                </a:cxn>
+                <a:cxn ang="0">
+                  <a:pos x="connsiteX4" y="connsiteY4"/>
+                </a:cxn>
+              </a:cxnLst>
+              <a:rect l="l" t="t" r="r" b="b"/>
+              <a:pathLst>
+                <a:path w="345001" h="345001">
+                  <a:moveTo>
+                    <a:pt x="0" y="172500"/>
+                  </a:moveTo>
+                  <a:cubicBezTo>
+                    <a:pt x="0" y="267769"/>
+                    <a:pt x="77231" y="345001"/>
+                    <a:pt x="172500" y="345001"/>
+                  </a:cubicBezTo>
+                  <a:cubicBezTo>
+                    <a:pt x="267769" y="345001"/>
+                    <a:pt x="345001" y="267769"/>
+                    <a:pt x="345001" y="172500"/>
+                  </a:cubicBezTo>
+                  <a:cubicBezTo>
+                    <a:pt x="345001" y="77231"/>
+                    <a:pt x="267769" y="0"/>
+                    <a:pt x="172500" y="0"/>
+                  </a:cubicBezTo>
+                  <a:cubicBezTo>
+                    <a:pt x="77231" y="0"/>
+                    <a:pt x="0" y="77231"/>
+                    <a:pt x="0" y="172500"/>
+                  </a:cubicBezTo>
+                  <a:close/>
+                </a:path>
+              </a:pathLst>
+            </a:custGeom>
+            <a:solidFill>
+              <a:srgbClr val="5ACEBE"/>
+            </a:solidFill>
+            <a:ln w="344" cap="flat">
+              <a:noFill/>
+              <a:prstDash val="solid"/>
+              <a:miter/>
+            </a:ln>
+          </p:spPr>
+          <p:txBody>
+            <a:bodyPr rtlCol="0" anchor="ctr"/>
+            <a:lstStyle/>
+            <a:p>
+              <a:endParaRPr lang="zh-CN" altLang="en-US"/>
+            </a:p>
+          </p:txBody>
+        </p:sp>
+        <p:sp>
+          <p:nvSpPr>
+            <p:cNvPr id="18" name="任意多边形: 形状 17">
+              <a:extLst>
+                <a:ext uri="{FF2B5EF4-FFF2-40B4-BE49-F238E27FC236}">
+                  <a16:creationId xmlns:a16="http://schemas.microsoft.com/office/drawing/2014/main" id="{CA863520-94E5-4AE8-958A-F2AEB0540DE0}"/>
+                </a:ext>
+              </a:extLst>
+            </p:cNvPr>
+            <p:cNvSpPr/>
+            <p:nvPr/>
+          </p:nvSpPr>
+          <p:spPr>
+            <a:xfrm>
+              <a:off x="1128537" y="2325488"/>
+              <a:ext cx="210008" cy="169513"/>
+            </a:xfrm>
+            <a:custGeom>
+              <a:avLst/>
+              <a:gdLst>
+                <a:gd name="connsiteX0" fmla="*/ 17557 w 210008"/>
+                <a:gd name="connsiteY0" fmla="*/ 64516 h 169513"/>
+                <a:gd name="connsiteX1" fmla="*/ 4882 w 210008"/>
+                <a:gd name="connsiteY1" fmla="*/ 69916 h 169513"/>
+                <a:gd name="connsiteX2" fmla="*/ 7 w 210008"/>
+                <a:gd name="connsiteY2" fmla="*/ 82456 h 169513"/>
+                <a:gd name="connsiteX3" fmla="*/ 5407 w 210008"/>
+                <a:gd name="connsiteY3" fmla="*/ 94726 h 169513"/>
+                <a:gd name="connsiteX4" fmla="*/ 78577 w 210008"/>
+                <a:gd name="connsiteY4" fmla="*/ 164656 h 169513"/>
+                <a:gd name="connsiteX5" fmla="*/ 92092 w 210008"/>
+                <a:gd name="connsiteY5" fmla="*/ 169456 h 169513"/>
+                <a:gd name="connsiteX6" fmla="*/ 104692 w 210008"/>
+                <a:gd name="connsiteY6" fmla="*/ 162526 h 169513"/>
+                <a:gd name="connsiteX7" fmla="*/ 206467 w 210008"/>
+                <a:gd name="connsiteY7" fmla="*/ 27931 h 169513"/>
+                <a:gd name="connsiteX8" fmla="*/ 203059 w 210008"/>
+                <a:gd name="connsiteY8" fmla="*/ 3411 h 169513"/>
+                <a:gd name="connsiteX9" fmla="*/ 203032 w 210008"/>
+                <a:gd name="connsiteY9" fmla="*/ 3391 h 169513"/>
+                <a:gd name="connsiteX10" fmla="*/ 178507 w 210008"/>
+                <a:gd name="connsiteY10" fmla="*/ 6811 h 169513"/>
+                <a:gd name="connsiteX11" fmla="*/ 88597 w 210008"/>
+                <a:gd name="connsiteY11" fmla="*/ 125731 h 169513"/>
+                <a:gd name="connsiteX12" fmla="*/ 29647 w 210008"/>
+                <a:gd name="connsiteY12" fmla="*/ 69376 h 169513"/>
+                <a:gd name="connsiteX13" fmla="*/ 17557 w 210008"/>
+                <a:gd name="connsiteY13" fmla="*/ 64516 h 169513"/>
+              </a:gdLst>
+              <a:ahLst/>
+              <a:cxnLst>
+                <a:cxn ang="0">
+                  <a:pos x="connsiteX0" y="connsiteY0"/>
+                </a:cxn>
+                <a:cxn ang="0">
+                  <a:pos x="connsiteX1" y="connsiteY1"/>
+                </a:cxn>
+                <a:cxn ang="0">
+                  <a:pos x="connsiteX2" y="connsiteY2"/>
+                </a:cxn>
+                <a:cxn ang="0">
+                  <a:pos x="connsiteX3" y="connsiteY3"/>
+                </a:cxn>
+                <a:cxn ang="0">
+                  <a:pos x="connsiteX4" y="connsiteY4"/>
+                </a:cxn>
+                <a:cxn ang="0">
+                  <a:pos x="connsiteX5" y="connsiteY5"/>
+                </a:cxn>
+                <a:cxn ang="0">
+                  <a:pos x="connsiteX6" y="connsiteY6"/>
+                </a:cxn>
+                <a:cxn ang="0">
+                  <a:pos x="connsiteX7" y="connsiteY7"/>
+                </a:cxn>
+                <a:cxn ang="0">
+                  <a:pos x="connsiteX8" y="connsiteY8"/>
+                </a:cxn>
+                <a:cxn ang="0">
+                  <a:pos x="connsiteX9" y="connsiteY9"/>
+                </a:cxn>
+                <a:cxn ang="0">
+                  <a:pos x="connsiteX10" y="connsiteY10"/>
+                </a:cxn>
+                <a:cxn ang="0">
+                  <a:pos x="connsiteX11" y="connsiteY11"/>
+                </a:cxn>
+                <a:cxn ang="0">
+                  <a:pos x="connsiteX12" y="connsiteY12"/>
+                </a:cxn>
+                <a:cxn ang="0">
+                  <a:pos x="connsiteX13" y="connsiteY13"/>
+                </a:cxn>
+              </a:cxnLst>
+              <a:rect l="l" t="t" r="r" b="b"/>
+              <a:pathLst>
+                <a:path w="210008" h="169513">
+                  <a:moveTo>
+                    <a:pt x="17557" y="64516"/>
+                  </a:moveTo>
+                  <a:cubicBezTo>
+                    <a:pt x="12697" y="64516"/>
+                    <a:pt x="8212" y="66466"/>
+                    <a:pt x="4882" y="69916"/>
+                  </a:cubicBezTo>
+                  <a:cubicBezTo>
+                    <a:pt x="1633" y="73268"/>
+                    <a:pt x="-125" y="77790"/>
+                    <a:pt x="7" y="82456"/>
+                  </a:cubicBezTo>
+                  <a:cubicBezTo>
+                    <a:pt x="112" y="87121"/>
+                    <a:pt x="2032" y="91486"/>
+                    <a:pt x="5407" y="94726"/>
+                  </a:cubicBezTo>
+                  <a:lnTo>
+                    <a:pt x="78577" y="164656"/>
+                  </a:lnTo>
+                  <a:cubicBezTo>
+                    <a:pt x="82192" y="168091"/>
+                    <a:pt x="87067" y="169861"/>
+                    <a:pt x="92092" y="169456"/>
+                  </a:cubicBezTo>
+                  <a:cubicBezTo>
+                    <a:pt x="97084" y="169033"/>
+                    <a:pt x="101662" y="166515"/>
+                    <a:pt x="104692" y="162526"/>
+                  </a:cubicBezTo>
+                  <a:lnTo>
+                    <a:pt x="206467" y="27931"/>
+                  </a:lnTo>
+                  <a:cubicBezTo>
+                    <a:pt x="212297" y="20219"/>
+                    <a:pt x="210771" y="9241"/>
+                    <a:pt x="203059" y="3411"/>
+                  </a:cubicBezTo>
+                  <a:cubicBezTo>
+                    <a:pt x="203050" y="3404"/>
+                    <a:pt x="203041" y="3398"/>
+                    <a:pt x="203032" y="3391"/>
+                  </a:cubicBezTo>
+                  <a:cubicBezTo>
+                    <a:pt x="195532" y="-2264"/>
+                    <a:pt x="184117" y="-659"/>
+                    <a:pt x="178507" y="6811"/>
+                  </a:cubicBezTo>
+                  <a:lnTo>
+                    <a:pt x="88597" y="125731"/>
+                  </a:lnTo>
+                  <a:lnTo>
+                    <a:pt x="29647" y="69376"/>
+                  </a:lnTo>
+                  <a:cubicBezTo>
+                    <a:pt x="26395" y="66257"/>
+                    <a:pt x="22063" y="64515"/>
+                    <a:pt x="17557" y="64516"/>
+                  </a:cubicBezTo>
+                </a:path>
+              </a:pathLst>
+            </a:custGeom>
+            <a:solidFill>
+              <a:srgbClr val="FFFFFF"/>
+            </a:solidFill>
+            <a:ln w="344" cap="flat">
+              <a:noFill/>
+              <a:prstDash val="solid"/>
+              <a:miter/>
+            </a:ln>
+          </p:spPr>
+          <p:txBody>
+            <a:bodyPr rtlCol="0" anchor="ctr"/>
+            <a:lstStyle/>
+            <a:p>
+              <a:endParaRPr lang="zh-CN" altLang="en-US"/>
+            </a:p>
+          </p:txBody>
+        </p:sp>
+      </p:grpSp>
+      <p:grpSp>
+        <p:nvGrpSpPr>
+          <p:cNvPr id="26" name="组合 25">
+            <a:extLst>
+              <a:ext uri="{FF2B5EF4-FFF2-40B4-BE49-F238E27FC236}">
+                <a16:creationId xmlns:a16="http://schemas.microsoft.com/office/drawing/2014/main" id="{4B62EA03-A298-4A33-B9C1-459C4CAAE02C}"/>
+              </a:ext>
+            </a:extLst>
+          </p:cNvPr>
+          <p:cNvGrpSpPr/>
+          <p:nvPr/>
+        </p:nvGrpSpPr>
+        <p:grpSpPr>
+          <a:xfrm>
+            <a:off x="1683750" y="2238167"/>
+            <a:ext cx="270000" cy="270000"/>
+            <a:chOff x="1600061" y="2220490"/>
+            <a:chExt cx="360000" cy="360000"/>
+          </a:xfrm>
+        </p:grpSpPr>
+        <p:sp>
+          <p:nvSpPr>
+            <p:cNvPr id="21" name="任意多边形: 形状 20">
+              <a:extLst>
+                <a:ext uri="{FF2B5EF4-FFF2-40B4-BE49-F238E27FC236}">
+                  <a16:creationId xmlns:a16="http://schemas.microsoft.com/office/drawing/2014/main" id="{52D81606-3E1A-4A11-B5B6-F48DFD123374}"/>
+                </a:ext>
+              </a:extLst>
+            </p:cNvPr>
+            <p:cNvSpPr/>
+            <p:nvPr/>
+          </p:nvSpPr>
+          <p:spPr>
+            <a:xfrm>
+              <a:off x="1600061" y="2220490"/>
+              <a:ext cx="360000" cy="360000"/>
+            </a:xfrm>
+            <a:custGeom>
+              <a:avLst/>
+              <a:gdLst>
+                <a:gd name="connsiteX0" fmla="*/ 0 w 360000"/>
+                <a:gd name="connsiteY0" fmla="*/ 180000 h 360000"/>
+                <a:gd name="connsiteX1" fmla="*/ 180000 w 360000"/>
+                <a:gd name="connsiteY1" fmla="*/ 360000 h 360000"/>
+                <a:gd name="connsiteX2" fmla="*/ 360000 w 360000"/>
+                <a:gd name="connsiteY2" fmla="*/ 180000 h 360000"/>
+                <a:gd name="connsiteX3" fmla="*/ 180000 w 360000"/>
+                <a:gd name="connsiteY3" fmla="*/ 0 h 360000"/>
+                <a:gd name="connsiteX4" fmla="*/ 0 w 360000"/>
+                <a:gd name="connsiteY4" fmla="*/ 180000 h 360000"/>
+              </a:gdLst>
+              <a:ahLst/>
+              <a:cxnLst>
+                <a:cxn ang="0">
+                  <a:pos x="connsiteX0" y="connsiteY0"/>
+                </a:cxn>
+                <a:cxn ang="0">
+                  <a:pos x="connsiteX1" y="connsiteY1"/>
+                </a:cxn>
+                <a:cxn ang="0">
+                  <a:pos x="connsiteX2" y="connsiteY2"/>
+                </a:cxn>
+                <a:cxn ang="0">
+                  <a:pos x="connsiteX3" y="connsiteY3"/>
+                </a:cxn>
+                <a:cxn ang="0">
+                  <a:pos x="connsiteX4" y="connsiteY4"/>
+                </a:cxn>
+              </a:cxnLst>
+              <a:rect l="l" t="t" r="r" b="b"/>
+              <a:pathLst>
+                <a:path w="360000" h="360000">
+                  <a:moveTo>
+                    <a:pt x="0" y="180000"/>
+                  </a:moveTo>
+                  <a:cubicBezTo>
+                    <a:pt x="0" y="279411"/>
+                    <a:pt x="80589" y="360000"/>
+                    <a:pt x="180000" y="360000"/>
+                  </a:cubicBezTo>
+                  <a:cubicBezTo>
+                    <a:pt x="279411" y="360000"/>
+                    <a:pt x="360000" y="279411"/>
+                    <a:pt x="360000" y="180000"/>
+                  </a:cubicBezTo>
+                  <a:cubicBezTo>
+                    <a:pt x="360000" y="80589"/>
+                    <a:pt x="279411" y="0"/>
+                    <a:pt x="180000" y="0"/>
+                  </a:cubicBezTo>
+                  <a:cubicBezTo>
+                    <a:pt x="80589" y="0"/>
+                    <a:pt x="0" y="80589"/>
+                    <a:pt x="0" y="180000"/>
+                  </a:cubicBezTo>
+                  <a:close/>
+                </a:path>
+              </a:pathLst>
+            </a:custGeom>
+            <a:solidFill>
+              <a:srgbClr val="FF5B72"/>
+            </a:solidFill>
+            <a:ln w="344" cap="flat">
+              <a:noFill/>
+              <a:prstDash val="solid"/>
+              <a:miter/>
+            </a:ln>
+          </p:spPr>
+          <p:txBody>
+            <a:bodyPr rtlCol="0" anchor="ctr"/>
+            <a:lstStyle/>
+            <a:p>
+              <a:endParaRPr lang="zh-CN" altLang="en-US"/>
+            </a:p>
+          </p:txBody>
+        </p:sp>
+        <p:sp>
+          <p:nvSpPr>
+            <p:cNvPr id="22" name="任意多边形: 形状 21">
+              <a:extLst>
+                <a:ext uri="{FF2B5EF4-FFF2-40B4-BE49-F238E27FC236}">
+                  <a16:creationId xmlns:a16="http://schemas.microsoft.com/office/drawing/2014/main" id="{A37704B0-812A-4B8B-B1AB-1D05F7CBD687}"/>
+                </a:ext>
+              </a:extLst>
+            </p:cNvPr>
+            <p:cNvSpPr/>
+            <p:nvPr/>
+          </p:nvSpPr>
+          <p:spPr>
+            <a:xfrm>
+              <a:off x="1690061" y="2310486"/>
+              <a:ext cx="180000" cy="180000"/>
+            </a:xfrm>
+            <a:custGeom>
+              <a:avLst/>
+              <a:gdLst>
+                <a:gd name="connsiteX0" fmla="*/ 89984 w 180000"/>
+                <a:gd name="connsiteY0" fmla="*/ 160265 h 180000"/>
+                <a:gd name="connsiteX1" fmla="*/ 48142 w 180000"/>
+                <a:gd name="connsiteY1" fmla="*/ 146053 h 180000"/>
+                <a:gd name="connsiteX2" fmla="*/ 146050 w 180000"/>
+                <a:gd name="connsiteY2" fmla="*/ 47764 h 180000"/>
+                <a:gd name="connsiteX3" fmla="*/ 160261 w 180000"/>
+                <a:gd name="connsiteY3" fmla="*/ 90000 h 180000"/>
+                <a:gd name="connsiteX4" fmla="*/ 90000 w 180000"/>
+                <a:gd name="connsiteY4" fmla="*/ 160261 h 180000"/>
+                <a:gd name="connsiteX5" fmla="*/ 90000 w 180000"/>
+                <a:gd name="connsiteY5" fmla="*/ 19735 h 180000"/>
+                <a:gd name="connsiteX6" fmla="*/ 132236 w 180000"/>
+                <a:gd name="connsiteY6" fmla="*/ 33950 h 180000"/>
+                <a:gd name="connsiteX7" fmla="*/ 33947 w 180000"/>
+                <a:gd name="connsiteY7" fmla="*/ 132240 h 180000"/>
+                <a:gd name="connsiteX8" fmla="*/ 19735 w 180000"/>
+                <a:gd name="connsiteY8" fmla="*/ 90004 h 180000"/>
+                <a:gd name="connsiteX9" fmla="*/ 90000 w 180000"/>
+                <a:gd name="connsiteY9" fmla="*/ 19739 h 180000"/>
+                <a:gd name="connsiteX10" fmla="*/ 90000 w 180000"/>
+                <a:gd name="connsiteY10" fmla="*/ 4 h 180000"/>
+                <a:gd name="connsiteX11" fmla="*/ 0 w 180000"/>
+                <a:gd name="connsiteY11" fmla="*/ 90004 h 180000"/>
+                <a:gd name="connsiteX12" fmla="*/ 89984 w 180000"/>
+                <a:gd name="connsiteY12" fmla="*/ 180000 h 180000"/>
+                <a:gd name="connsiteX13" fmla="*/ 180000 w 180000"/>
+                <a:gd name="connsiteY13" fmla="*/ 90004 h 180000"/>
+                <a:gd name="connsiteX14" fmla="*/ 89984 w 180000"/>
+                <a:gd name="connsiteY14" fmla="*/ 0 h 180000"/>
+              </a:gdLst>
+              <a:ahLst/>
+              <a:cxnLst>
+                <a:cxn ang="0">
+                  <a:pos x="connsiteX0" y="connsiteY0"/>
+                </a:cxn>
+                <a:cxn ang="0">
+                  <a:pos x="connsiteX1" y="connsiteY1"/>
+                </a:cxn>
+                <a:cxn ang="0">
+                  <a:pos x="connsiteX2" y="connsiteY2"/>
+                </a:cxn>
+                <a:cxn ang="0">
+                  <a:pos x="connsiteX3" y="connsiteY3"/>
+                </a:cxn>
+                <a:cxn ang="0">
+                  <a:pos x="connsiteX4" y="connsiteY4"/>
+                </a:cxn>
+                <a:cxn ang="0">
+                  <a:pos x="connsiteX5" y="connsiteY5"/>
+                </a:cxn>
+                <a:cxn ang="0">
+                  <a:pos x="connsiteX6" y="connsiteY6"/>
+                </a:cxn>
+                <a:cxn ang="0">
+                  <a:pos x="connsiteX7" y="connsiteY7"/>
+                </a:cxn>
+                <a:cxn ang="0">
+                  <a:pos x="connsiteX8" y="connsiteY8"/>
+                </a:cxn>
+                <a:cxn ang="0">
+                  <a:pos x="connsiteX9" y="connsiteY9"/>
+                </a:cxn>
+                <a:cxn ang="0">
+                  <a:pos x="connsiteX10" y="connsiteY10"/>
+                </a:cxn>
+                <a:cxn ang="0">
+                  <a:pos x="connsiteX11" y="connsiteY11"/>
+                </a:cxn>
+                <a:cxn ang="0">
+                  <a:pos x="connsiteX12" y="connsiteY12"/>
+                </a:cxn>
+                <a:cxn ang="0">
+                  <a:pos x="connsiteX13" y="connsiteY13"/>
+                </a:cxn>
+                <a:cxn ang="0">
+                  <a:pos x="connsiteX14" y="connsiteY14"/>
+                </a:cxn>
+              </a:cxnLst>
+              <a:rect l="l" t="t" r="r" b="b"/>
+              <a:pathLst>
+                <a:path w="180000" h="180000">
+                  <a:moveTo>
+                    <a:pt x="89984" y="160265"/>
+                  </a:moveTo>
+                  <a:cubicBezTo>
+                    <a:pt x="74193" y="160265"/>
+                    <a:pt x="59587" y="155135"/>
+                    <a:pt x="48142" y="146053"/>
+                  </a:cubicBezTo>
+                  <a:lnTo>
+                    <a:pt x="146050" y="47764"/>
+                  </a:lnTo>
+                  <a:cubicBezTo>
+                    <a:pt x="154733" y="59607"/>
+                    <a:pt x="160261" y="74212"/>
+                    <a:pt x="160261" y="90000"/>
+                  </a:cubicBezTo>
+                  <a:cubicBezTo>
+                    <a:pt x="160261" y="128682"/>
+                    <a:pt x="128682" y="160261"/>
+                    <a:pt x="90000" y="160261"/>
+                  </a:cubicBezTo>
+                  <a:moveTo>
+                    <a:pt x="90000" y="19735"/>
+                  </a:moveTo>
+                  <a:cubicBezTo>
+                    <a:pt x="105264" y="19668"/>
+                    <a:pt x="120119" y="24667"/>
+                    <a:pt x="132236" y="33950"/>
+                  </a:cubicBezTo>
+                  <a:lnTo>
+                    <a:pt x="33947" y="132240"/>
+                  </a:lnTo>
+                  <a:cubicBezTo>
+                    <a:pt x="24665" y="120122"/>
+                    <a:pt x="19667" y="105268"/>
+                    <a:pt x="19735" y="90004"/>
+                  </a:cubicBezTo>
+                  <a:cubicBezTo>
+                    <a:pt x="19735" y="51318"/>
+                    <a:pt x="51314" y="19739"/>
+                    <a:pt x="90000" y="19739"/>
+                  </a:cubicBezTo>
+                  <a:moveTo>
+                    <a:pt x="90000" y="4"/>
+                  </a:moveTo>
+                  <a:cubicBezTo>
+                    <a:pt x="40262" y="4"/>
+                    <a:pt x="0" y="40266"/>
+                    <a:pt x="0" y="90004"/>
+                  </a:cubicBezTo>
+                  <a:cubicBezTo>
+                    <a:pt x="0" y="139742"/>
+                    <a:pt x="40262" y="180000"/>
+                    <a:pt x="89984" y="180000"/>
+                  </a:cubicBezTo>
+                  <a:cubicBezTo>
+                    <a:pt x="139706" y="180000"/>
+                    <a:pt x="180000" y="139738"/>
+                    <a:pt x="180000" y="90004"/>
+                  </a:cubicBezTo>
+                  <a:cubicBezTo>
+                    <a:pt x="180000" y="40270"/>
+                    <a:pt x="139738" y="0"/>
+                    <a:pt x="89984" y="0"/>
+                  </a:cubicBezTo>
+                </a:path>
+              </a:pathLst>
+            </a:custGeom>
+            <a:solidFill>
+              <a:srgbClr val="FFFFFF"/>
+            </a:solidFill>
+            <a:ln w="344" cap="flat">
+              <a:noFill/>
+              <a:prstDash val="solid"/>
+              <a:miter/>
+            </a:ln>
+          </p:spPr>
+          <p:txBody>
+            <a:bodyPr rtlCol="0" anchor="ctr"/>
+            <a:lstStyle/>
+            <a:p>
+              <a:endParaRPr lang="zh-CN" altLang="en-US"/>
+            </a:p>
+          </p:txBody>
+        </p:sp>
+      </p:grpSp>
+      <p:pic>
+        <p:nvPicPr>
+          <p:cNvPr id="30" name="图形 29">
+            <a:extLst>
+              <a:ext uri="{FF2B5EF4-FFF2-40B4-BE49-F238E27FC236}">
+                <a16:creationId xmlns:a16="http://schemas.microsoft.com/office/drawing/2014/main" id="{3244F252-F9A2-4A54-812A-A719B6EC208E}"/>
+              </a:ext>
+            </a:extLst>
+          </p:cNvPr>
+          <p:cNvPicPr>
+            <a:picLocks noChangeAspect="1"/>
+          </p:cNvPicPr>
+          <p:nvPr/>
+        </p:nvPicPr>
+        <p:blipFill>
+          <a:blip r:embed="rId27">
+            <a:extLst>
+              <a:ext uri="{28A0092B-C50C-407E-A947-70E740481C1C}">
+                <a14:useLocalDpi xmlns:a14="http://schemas.microsoft.com/office/drawing/2010/main" val="0"/>
+              </a:ext>
+              <a:ext uri="{96DAC541-7B7A-43D3-8B79-37D633B846F1}">
+                <asvg:svgBlip xmlns:asvg="http://schemas.microsoft.com/office/drawing/2016/SVG/main" r:embed="rId28"/>
+              </a:ext>
+            </a:extLst>
+          </a:blip>
+          <a:stretch>
+            <a:fillRect/>
+          </a:stretch>
+        </p:blipFill>
+        <p:spPr>
+          <a:xfrm>
+            <a:off x="2225457" y="2196124"/>
+            <a:ext cx="270000" cy="270000"/>
+          </a:xfrm>
+          <a:prstGeom prst="rect">
+            <a:avLst/>
+          </a:prstGeom>
+        </p:spPr>
+      </p:pic>
     </p:spTree>
     <p:extLst>
       <p:ext uri="{BB962C8B-B14F-4D97-AF65-F5344CB8AC3E}">
